--- a/Road Signs/Presentation1.pptx
+++ b/Road Signs/Presentation1.pptx
@@ -9,7 +9,8 @@
     <p:sldId id="257" r:id="rId3"/>
     <p:sldId id="258" r:id="rId4"/>
     <p:sldId id="259" r:id="rId5"/>
-    <p:sldId id="260" r:id="rId6"/>
+    <p:sldId id="261" r:id="rId6"/>
+    <p:sldId id="263" r:id="rId7"/>
   </p:sldIdLst>
   <p:sldSz cx="12192000" cy="6858000"/>
   <p:notesSz cx="6858000" cy="9144000"/>
@@ -108,6 +109,11 @@
       </a:defRPr>
     </a:lvl9pPr>
   </p:defaultTextStyle>
+  <p:extLst>
+    <p:ext uri="{EFAFB233-063F-42B5-8137-9DF3F51BA10A}">
+      <p15:sldGuideLst xmlns:p15="http://schemas.microsoft.com/office/powerpoint/2012/main"/>
+    </p:ext>
+  </p:extLst>
 </p:presentation>
 </file>
 
@@ -242,7 +248,7 @@
           <a:p>
             <a:fld id="{627D3D6F-70D5-4AE1-9E11-ADA354F8B0A6}" type="datetimeFigureOut">
               <a:rPr lang="en-US" smtClean="0"/>
-              <a:t>7/1/2019</a:t>
+              <a:t>7/3/2019</a:t>
             </a:fld>
             <a:endParaRPr lang="en-US"/>
           </a:p>
@@ -412,7 +418,7 @@
           <a:p>
             <a:fld id="{627D3D6F-70D5-4AE1-9E11-ADA354F8B0A6}" type="datetimeFigureOut">
               <a:rPr lang="en-US" smtClean="0"/>
-              <a:t>7/1/2019</a:t>
+              <a:t>7/3/2019</a:t>
             </a:fld>
             <a:endParaRPr lang="en-US"/>
           </a:p>
@@ -592,7 +598,7 @@
           <a:p>
             <a:fld id="{627D3D6F-70D5-4AE1-9E11-ADA354F8B0A6}" type="datetimeFigureOut">
               <a:rPr lang="en-US" smtClean="0"/>
-              <a:t>7/1/2019</a:t>
+              <a:t>7/3/2019</a:t>
             </a:fld>
             <a:endParaRPr lang="en-US"/>
           </a:p>
@@ -762,7 +768,7 @@
           <a:p>
             <a:fld id="{627D3D6F-70D5-4AE1-9E11-ADA354F8B0A6}" type="datetimeFigureOut">
               <a:rPr lang="en-US" smtClean="0"/>
-              <a:t>7/1/2019</a:t>
+              <a:t>7/3/2019</a:t>
             </a:fld>
             <a:endParaRPr lang="en-US"/>
           </a:p>
@@ -1008,7 +1014,7 @@
           <a:p>
             <a:fld id="{627D3D6F-70D5-4AE1-9E11-ADA354F8B0A6}" type="datetimeFigureOut">
               <a:rPr lang="en-US" smtClean="0"/>
-              <a:t>7/1/2019</a:t>
+              <a:t>7/3/2019</a:t>
             </a:fld>
             <a:endParaRPr lang="en-US"/>
           </a:p>
@@ -1240,7 +1246,7 @@
           <a:p>
             <a:fld id="{627D3D6F-70D5-4AE1-9E11-ADA354F8B0A6}" type="datetimeFigureOut">
               <a:rPr lang="en-US" smtClean="0"/>
-              <a:t>7/1/2019</a:t>
+              <a:t>7/3/2019</a:t>
             </a:fld>
             <a:endParaRPr lang="en-US"/>
           </a:p>
@@ -1607,7 +1613,7 @@
           <a:p>
             <a:fld id="{627D3D6F-70D5-4AE1-9E11-ADA354F8B0A6}" type="datetimeFigureOut">
               <a:rPr lang="en-US" smtClean="0"/>
-              <a:t>7/1/2019</a:t>
+              <a:t>7/3/2019</a:t>
             </a:fld>
             <a:endParaRPr lang="en-US"/>
           </a:p>
@@ -1725,7 +1731,7 @@
           <a:p>
             <a:fld id="{627D3D6F-70D5-4AE1-9E11-ADA354F8B0A6}" type="datetimeFigureOut">
               <a:rPr lang="en-US" smtClean="0"/>
-              <a:t>7/1/2019</a:t>
+              <a:t>7/3/2019</a:t>
             </a:fld>
             <a:endParaRPr lang="en-US"/>
           </a:p>
@@ -1820,7 +1826,7 @@
           <a:p>
             <a:fld id="{627D3D6F-70D5-4AE1-9E11-ADA354F8B0A6}" type="datetimeFigureOut">
               <a:rPr lang="en-US" smtClean="0"/>
-              <a:t>7/1/2019</a:t>
+              <a:t>7/3/2019</a:t>
             </a:fld>
             <a:endParaRPr lang="en-US"/>
           </a:p>
@@ -2097,7 +2103,7 @@
           <a:p>
             <a:fld id="{627D3D6F-70D5-4AE1-9E11-ADA354F8B0A6}" type="datetimeFigureOut">
               <a:rPr lang="en-US" smtClean="0"/>
-              <a:t>7/1/2019</a:t>
+              <a:t>7/3/2019</a:t>
             </a:fld>
             <a:endParaRPr lang="en-US"/>
           </a:p>
@@ -2350,7 +2356,7 @@
           <a:p>
             <a:fld id="{627D3D6F-70D5-4AE1-9E11-ADA354F8B0A6}" type="datetimeFigureOut">
               <a:rPr lang="en-US" smtClean="0"/>
-              <a:t>7/1/2019</a:t>
+              <a:t>7/3/2019</a:t>
             </a:fld>
             <a:endParaRPr lang="en-US"/>
           </a:p>
@@ -2563,7 +2569,7 @@
           <a:p>
             <a:fld id="{627D3D6F-70D5-4AE1-9E11-ADA354F8B0A6}" type="datetimeFigureOut">
               <a:rPr lang="en-US" smtClean="0"/>
-              <a:t>7/1/2019</a:t>
+              <a:t>7/3/2019</a:t>
             </a:fld>
             <a:endParaRPr lang="en-US"/>
           </a:p>
@@ -3168,27 +3174,27 @@
       </p:grpSpPr>
       <p:grpSp>
         <p:nvGrpSpPr>
-          <p:cNvPr id="8" name="Group 7"/>
+          <p:cNvPr id="9" name="Group 8"/>
           <p:cNvGrpSpPr/>
           <p:nvPr/>
         </p:nvGrpSpPr>
         <p:grpSpPr>
-          <a:xfrm>
-            <a:off x="2166152" y="1597980"/>
+          <a:xfrm flipH="1">
+            <a:off x="2121764" y="2130640"/>
             <a:ext cx="4314546" cy="4314546"/>
-            <a:chOff x="2166152" y="1597980"/>
+            <a:chOff x="2121764" y="2130640"/>
             <a:chExt cx="4314546" cy="4314546"/>
           </a:xfrm>
         </p:grpSpPr>
         <p:sp>
           <p:nvSpPr>
-            <p:cNvPr id="2" name="Donut 1"/>
+            <p:cNvPr id="10" name="Donut 9"/>
             <p:cNvSpPr/>
             <p:nvPr/>
           </p:nvSpPr>
           <p:spPr>
             <a:xfrm>
-              <a:off x="2166152" y="1597980"/>
+              <a:off x="2121764" y="2130640"/>
               <a:ext cx="4314546" cy="4314546"/>
             </a:xfrm>
             <a:prstGeom prst="donut">
@@ -3236,13 +3242,13 @@
         </p:sp>
         <p:sp>
           <p:nvSpPr>
-            <p:cNvPr id="3" name="Oval 2"/>
+            <p:cNvPr id="11" name="Oval 10"/>
             <p:cNvSpPr/>
             <p:nvPr/>
           </p:nvSpPr>
           <p:spPr>
             <a:xfrm>
-              <a:off x="2476869" y="1908697"/>
+              <a:off x="2432481" y="2441357"/>
               <a:ext cx="3693111" cy="3693111"/>
             </a:xfrm>
             <a:prstGeom prst="ellipse">
@@ -3284,13 +3290,13 @@
         </p:sp>
         <p:sp>
           <p:nvSpPr>
-            <p:cNvPr id="7" name="Bent Arrow 6"/>
+            <p:cNvPr id="12" name="Bent Arrow 11"/>
             <p:cNvSpPr/>
             <p:nvPr/>
           </p:nvSpPr>
           <p:spPr>
-            <a:xfrm>
-              <a:off x="3519996" y="2512378"/>
+            <a:xfrm flipH="1">
+              <a:off x="2685495" y="3533310"/>
               <a:ext cx="2077374" cy="2485748"/>
             </a:xfrm>
             <a:prstGeom prst="bentArrow">
@@ -3372,15 +3378,15 @@
       </p:grpSpPr>
       <p:grpSp>
         <p:nvGrpSpPr>
-          <p:cNvPr id="5" name="Group 4"/>
+          <p:cNvPr id="6" name="Group 5"/>
           <p:cNvGrpSpPr/>
           <p:nvPr/>
         </p:nvGrpSpPr>
         <p:grpSpPr>
           <a:xfrm>
-            <a:off x="2166152" y="1597980"/>
+            <a:off x="2121764" y="2130640"/>
             <a:ext cx="4314546" cy="4314546"/>
-            <a:chOff x="2166152" y="1597980"/>
+            <a:chOff x="2121764" y="2130640"/>
             <a:chExt cx="4314546" cy="4314546"/>
           </a:xfrm>
         </p:grpSpPr>
@@ -3392,7 +3398,7 @@
           </p:nvSpPr>
           <p:spPr>
             <a:xfrm>
-              <a:off x="2166152" y="1597980"/>
+              <a:off x="2121764" y="2130640"/>
               <a:ext cx="4314546" cy="4314546"/>
             </a:xfrm>
             <a:prstGeom prst="donut">
@@ -3446,7 +3452,7 @@
           </p:nvSpPr>
           <p:spPr>
             <a:xfrm>
-              <a:off x="2476869" y="1908697"/>
+              <a:off x="2432481" y="2441357"/>
               <a:ext cx="3693111" cy="3693111"/>
             </a:xfrm>
             <a:prstGeom prst="ellipse">
@@ -3494,7 +3500,7 @@
           </p:nvSpPr>
           <p:spPr>
             <a:xfrm flipH="1">
-              <a:off x="3058357" y="2512378"/>
+              <a:off x="2685495" y="3533310"/>
               <a:ext cx="2077374" cy="2485748"/>
             </a:xfrm>
             <a:prstGeom prst="bentArrow">
@@ -3771,7 +3777,139 @@
       </p:grpSpPr>
       <p:grpSp>
         <p:nvGrpSpPr>
-          <p:cNvPr id="14" name="Group 13"/>
+          <p:cNvPr id="4" name="Group 3"/>
+          <p:cNvGrpSpPr/>
+          <p:nvPr/>
+        </p:nvGrpSpPr>
+        <p:grpSpPr>
+          <a:xfrm>
+            <a:off x="2166151" y="1154098"/>
+            <a:ext cx="4216893" cy="4216893"/>
+            <a:chOff x="2166151" y="1154098"/>
+            <a:chExt cx="4216893" cy="4216893"/>
+          </a:xfrm>
+        </p:grpSpPr>
+        <p:sp>
+          <p:nvSpPr>
+            <p:cNvPr id="2" name="Oval 1"/>
+            <p:cNvSpPr/>
+            <p:nvPr/>
+          </p:nvSpPr>
+          <p:spPr>
+            <a:xfrm>
+              <a:off x="2166151" y="1154098"/>
+              <a:ext cx="4216893" cy="4216893"/>
+            </a:xfrm>
+            <a:prstGeom prst="ellipse">
+              <a:avLst/>
+            </a:prstGeom>
+          </p:spPr>
+          <p:style>
+            <a:lnRef idx="2">
+              <a:schemeClr val="accent1">
+                <a:shade val="50000"/>
+              </a:schemeClr>
+            </a:lnRef>
+            <a:fillRef idx="1">
+              <a:schemeClr val="accent1"/>
+            </a:fillRef>
+            <a:effectRef idx="0">
+              <a:schemeClr val="accent1"/>
+            </a:effectRef>
+            <a:fontRef idx="minor">
+              <a:schemeClr val="lt1"/>
+            </a:fontRef>
+          </p:style>
+          <p:txBody>
+            <a:bodyPr rtlCol="0" anchor="ctr"/>
+            <a:lstStyle/>
+            <a:p>
+              <a:pPr algn="ctr"/>
+              <a:endParaRPr lang="en-US"/>
+            </a:p>
+          </p:txBody>
+        </p:sp>
+        <p:sp>
+          <p:nvSpPr>
+            <p:cNvPr id="3" name="Bent Arrow 2"/>
+            <p:cNvSpPr/>
+            <p:nvPr/>
+          </p:nvSpPr>
+          <p:spPr>
+            <a:xfrm>
+              <a:off x="3467665" y="2104008"/>
+              <a:ext cx="2356087" cy="2514924"/>
+            </a:xfrm>
+            <a:prstGeom prst="bentArrow">
+              <a:avLst/>
+            </a:prstGeom>
+            <a:solidFill>
+              <a:schemeClr val="bg1"/>
+            </a:solidFill>
+          </p:spPr>
+          <p:style>
+            <a:lnRef idx="2">
+              <a:schemeClr val="accent1">
+                <a:shade val="50000"/>
+              </a:schemeClr>
+            </a:lnRef>
+            <a:fillRef idx="1">
+              <a:schemeClr val="accent1"/>
+            </a:fillRef>
+            <a:effectRef idx="0">
+              <a:schemeClr val="accent1"/>
+            </a:effectRef>
+            <a:fontRef idx="minor">
+              <a:schemeClr val="lt1"/>
+            </a:fontRef>
+          </p:style>
+          <p:txBody>
+            <a:bodyPr rtlCol="0" anchor="ctr"/>
+            <a:lstStyle/>
+            <a:p>
+              <a:pPr algn="ctr"/>
+              <a:endParaRPr lang="en-US">
+                <a:solidFill>
+                  <a:schemeClr val="tx1"/>
+                </a:solidFill>
+              </a:endParaRPr>
+            </a:p>
+          </p:txBody>
+        </p:sp>
+      </p:grpSp>
+    </p:spTree>
+    <p:extLst>
+      <p:ext uri="{BB962C8B-B14F-4D97-AF65-F5344CB8AC3E}">
+        <p14:creationId xmlns:p14="http://schemas.microsoft.com/office/powerpoint/2010/main" val="220574972"/>
+      </p:ext>
+    </p:extLst>
+  </p:cSld>
+  <p:clrMapOvr>
+    <a:masterClrMapping/>
+  </p:clrMapOvr>
+</p:sld>
+</file>
+
+<file path=ppt/slides/slide6.xml><?xml version="1.0" encoding="utf-8"?>
+<p:sld xmlns:a="http://schemas.openxmlformats.org/drawingml/2006/main" xmlns:r="http://schemas.openxmlformats.org/officeDocument/2006/relationships" xmlns:p="http://schemas.openxmlformats.org/presentationml/2006/main">
+  <p:cSld>
+    <p:spTree>
+      <p:nvGrpSpPr>
+        <p:cNvPr id="1" name=""/>
+        <p:cNvGrpSpPr/>
+        <p:nvPr/>
+      </p:nvGrpSpPr>
+      <p:grpSpPr>
+        <a:xfrm>
+          <a:off x="0" y="0"/>
+          <a:ext cx="0" cy="0"/>
+          <a:chOff x="0" y="0"/>
+          <a:chExt cx="0" cy="0"/>
+        </a:xfrm>
+      </p:grpSpPr>
+      <p:grpSp>
+        <p:nvGrpSpPr>
+          <p:cNvPr id="5" name="Group 4"/>
           <p:cNvGrpSpPr/>
           <p:nvPr/>
         </p:nvGrpSpPr>
@@ -3796,7 +3934,7 @@
             </a:xfrm>
             <a:prstGeom prst="donut">
               <a:avLst>
-                <a:gd name="adj" fmla="val 7059"/>
+                <a:gd name="adj" fmla="val 2738"/>
               </a:avLst>
             </a:prstGeom>
             <a:solidFill>
@@ -3845,18 +3983,18 @@
           </p:nvSpPr>
           <p:spPr>
             <a:xfrm>
-              <a:off x="2476869" y="1908697"/>
-              <a:ext cx="3693111" cy="3693111"/>
+              <a:off x="2268244" y="1700072"/>
+              <a:ext cx="4110361" cy="4110361"/>
             </a:xfrm>
             <a:prstGeom prst="ellipse">
               <a:avLst/>
             </a:prstGeom>
             <a:solidFill>
-              <a:srgbClr val="C00000"/>
+              <a:srgbClr val="FFFF00"/>
             </a:solidFill>
             <a:ln>
               <a:solidFill>
-                <a:srgbClr val="C00000"/>
+                <a:srgbClr val="FFFF00"/>
               </a:solidFill>
             </a:ln>
           </p:spPr>
@@ -3887,213 +4025,74 @@
         </p:sp>
         <p:sp>
           <p:nvSpPr>
-            <p:cNvPr id="8" name="Rectangle 7"/>
+            <p:cNvPr id="4" name="Rectangle 3"/>
             <p:cNvSpPr/>
             <p:nvPr/>
           </p:nvSpPr>
           <p:spPr>
             <a:xfrm>
-              <a:off x="2574524" y="3659816"/>
-              <a:ext cx="3506680" cy="386178"/>
+              <a:off x="2717824" y="2318181"/>
+              <a:ext cx="3211200" cy="2554545"/>
             </a:xfrm>
             <a:prstGeom prst="rect">
               <a:avLst/>
             </a:prstGeom>
-            <a:solidFill>
-              <a:schemeClr val="bg1"/>
-            </a:solidFill>
-            <a:ln>
-              <a:solidFill>
-                <a:srgbClr val="C00000"/>
-              </a:solidFill>
-            </a:ln>
+            <a:noFill/>
           </p:spPr>
-          <p:style>
-            <a:lnRef idx="2">
-              <a:schemeClr val="accent1">
-                <a:shade val="50000"/>
-              </a:schemeClr>
-            </a:lnRef>
-            <a:fillRef idx="1">
-              <a:schemeClr val="accent1"/>
-            </a:fillRef>
-            <a:effectRef idx="0">
-              <a:schemeClr val="accent1"/>
-            </a:effectRef>
-            <a:fontRef idx="minor">
-              <a:schemeClr val="lt1"/>
-            </a:fontRef>
-          </p:style>
           <p:txBody>
-            <a:bodyPr rtlCol="0" anchor="ctr"/>
+            <a:bodyPr wrap="none" lIns="91440" tIns="45720" rIns="91440" bIns="45720">
+              <a:spAutoFit/>
+            </a:bodyPr>
             <a:lstStyle/>
             <a:p>
               <a:pPr algn="ctr"/>
-              <a:endParaRPr lang="en-US"/>
+              <a:r>
+                <a:rPr lang="en-US" sz="8000" b="0" cap="none" spc="0" dirty="0" smtClean="0">
+                  <a:ln w="0"/>
+                  <a:solidFill>
+                    <a:schemeClr val="tx1"/>
+                  </a:solidFill>
+                  <a:effectLst>
+                    <a:outerShdw blurRad="38100" dist="19050" dir="2700000" algn="tl" rotWithShape="0">
+                      <a:schemeClr val="dk1">
+                        <a:alpha val="40000"/>
+                      </a:schemeClr>
+                    </a:outerShdw>
+                  </a:effectLst>
+                </a:rPr>
+                <a:t>GO</a:t>
+              </a:r>
             </a:p>
-          </p:txBody>
-        </p:sp>
-        <p:sp>
-          <p:nvSpPr>
-            <p:cNvPr id="10" name="Pie 9"/>
-            <p:cNvSpPr/>
-            <p:nvPr/>
-          </p:nvSpPr>
-          <p:spPr>
-            <a:xfrm rot="5400000">
-              <a:off x="2793437" y="3290487"/>
-              <a:ext cx="958786" cy="929530"/>
-            </a:xfrm>
-            <a:prstGeom prst="pie">
-              <a:avLst>
-                <a:gd name="adj1" fmla="val 5385838"/>
-                <a:gd name="adj2" fmla="val 16199386"/>
-              </a:avLst>
-            </a:prstGeom>
-            <a:solidFill>
-              <a:schemeClr val="bg1"/>
-            </a:solidFill>
-            <a:ln>
-              <a:solidFill>
-                <a:schemeClr val="bg1"/>
-              </a:solidFill>
-            </a:ln>
-          </p:spPr>
-          <p:style>
-            <a:lnRef idx="2">
-              <a:schemeClr val="accent1">
-                <a:shade val="50000"/>
-              </a:schemeClr>
-            </a:lnRef>
-            <a:fillRef idx="1">
-              <a:schemeClr val="accent1"/>
-            </a:fillRef>
-            <a:effectRef idx="0">
-              <a:schemeClr val="accent1"/>
-            </a:effectRef>
-            <a:fontRef idx="minor">
-              <a:schemeClr val="lt1"/>
-            </a:fontRef>
-          </p:style>
-          <p:txBody>
-            <a:bodyPr rtlCol="0" anchor="ctr"/>
-            <a:lstStyle/>
             <a:p>
               <a:pPr algn="ctr"/>
-              <a:endParaRPr lang="en-US">
+              <a:r>
+                <a:rPr lang="en-US" sz="8000" b="0" cap="none" spc="0" dirty="0" smtClean="0">
+                  <a:ln w="0"/>
+                  <a:solidFill>
+                    <a:schemeClr val="tx1"/>
+                  </a:solidFill>
+                  <a:effectLst>
+                    <a:outerShdw blurRad="38100" dist="19050" dir="2700000" algn="tl" rotWithShape="0">
+                      <a:schemeClr val="dk1">
+                        <a:alpha val="40000"/>
+                      </a:schemeClr>
+                    </a:outerShdw>
+                  </a:effectLst>
+                </a:rPr>
+                <a:t>SLOW !</a:t>
+              </a:r>
+              <a:endParaRPr lang="en-US" sz="8000" b="0" cap="none" spc="0" dirty="0">
+                <a:ln w="0"/>
                 <a:solidFill>
                   <a:schemeClr val="tx1"/>
                 </a:solidFill>
-              </a:endParaRPr>
-            </a:p>
-          </p:txBody>
-        </p:sp>
-        <p:sp>
-          <p:nvSpPr>
-            <p:cNvPr id="11" name="Pie 10"/>
-            <p:cNvSpPr/>
-            <p:nvPr/>
-          </p:nvSpPr>
-          <p:spPr>
-            <a:xfrm rot="5400000">
-              <a:off x="3789959" y="3290487"/>
-              <a:ext cx="958786" cy="929530"/>
-            </a:xfrm>
-            <a:prstGeom prst="pie">
-              <a:avLst>
-                <a:gd name="adj1" fmla="val 5385838"/>
-                <a:gd name="adj2" fmla="val 16199386"/>
-              </a:avLst>
-            </a:prstGeom>
-            <a:solidFill>
-              <a:schemeClr val="bg1"/>
-            </a:solidFill>
-            <a:ln>
-              <a:solidFill>
-                <a:schemeClr val="bg1"/>
-              </a:solidFill>
-            </a:ln>
-          </p:spPr>
-          <p:style>
-            <a:lnRef idx="2">
-              <a:schemeClr val="accent1">
-                <a:shade val="50000"/>
-              </a:schemeClr>
-            </a:lnRef>
-            <a:fillRef idx="1">
-              <a:schemeClr val="accent1"/>
-            </a:fillRef>
-            <a:effectRef idx="0">
-              <a:schemeClr val="accent1"/>
-            </a:effectRef>
-            <a:fontRef idx="minor">
-              <a:schemeClr val="lt1"/>
-            </a:fontRef>
-          </p:style>
-          <p:txBody>
-            <a:bodyPr rtlCol="0" anchor="ctr"/>
-            <a:lstStyle/>
-            <a:p>
-              <a:pPr algn="ctr"/>
-              <a:endParaRPr lang="en-US">
-                <a:solidFill>
-                  <a:schemeClr val="tx1"/>
-                </a:solidFill>
-              </a:endParaRPr>
-            </a:p>
-          </p:txBody>
-        </p:sp>
-        <p:sp>
-          <p:nvSpPr>
-            <p:cNvPr id="12" name="Pie 11"/>
-            <p:cNvSpPr/>
-            <p:nvPr/>
-          </p:nvSpPr>
-          <p:spPr>
-            <a:xfrm rot="5400000">
-              <a:off x="4811384" y="3290487"/>
-              <a:ext cx="958786" cy="929530"/>
-            </a:xfrm>
-            <a:prstGeom prst="pie">
-              <a:avLst>
-                <a:gd name="adj1" fmla="val 5385838"/>
-                <a:gd name="adj2" fmla="val 16199386"/>
-              </a:avLst>
-            </a:prstGeom>
-            <a:solidFill>
-              <a:schemeClr val="bg1"/>
-            </a:solidFill>
-            <a:ln>
-              <a:solidFill>
-                <a:schemeClr val="bg1"/>
-              </a:solidFill>
-            </a:ln>
-          </p:spPr>
-          <p:style>
-            <a:lnRef idx="2">
-              <a:schemeClr val="accent1">
-                <a:shade val="50000"/>
-              </a:schemeClr>
-            </a:lnRef>
-            <a:fillRef idx="1">
-              <a:schemeClr val="accent1"/>
-            </a:fillRef>
-            <a:effectRef idx="0">
-              <a:schemeClr val="accent1"/>
-            </a:effectRef>
-            <a:fontRef idx="minor">
-              <a:schemeClr val="lt1"/>
-            </a:fontRef>
-          </p:style>
-          <p:txBody>
-            <a:bodyPr rtlCol="0" anchor="ctr"/>
-            <a:lstStyle/>
-            <a:p>
-              <a:pPr algn="ctr"/>
-              <a:endParaRPr lang="en-US">
-                <a:solidFill>
-                  <a:schemeClr val="tx1"/>
-                </a:solidFill>
+                <a:effectLst>
+                  <a:outerShdw blurRad="38100" dist="19050" dir="2700000" algn="tl" rotWithShape="0">
+                    <a:schemeClr val="dk1">
+                      <a:alpha val="40000"/>
+                    </a:schemeClr>
+                  </a:outerShdw>
+                </a:effectLst>
               </a:endParaRPr>
             </a:p>
           </p:txBody>
@@ -4102,7 +4101,7 @@
     </p:spTree>
     <p:extLst>
       <p:ext uri="{BB962C8B-B14F-4D97-AF65-F5344CB8AC3E}">
-        <p14:creationId xmlns:p14="http://schemas.microsoft.com/office/powerpoint/2010/main" val="3027027758"/>
+        <p14:creationId xmlns:p14="http://schemas.microsoft.com/office/powerpoint/2010/main" val="860413721"/>
       </p:ext>
     </p:extLst>
   </p:cSld>
